--- a/course/20200104/26第二十六节：手撕GO语言.pptx
+++ b/course/20200104/26第二十六节：手撕GO语言.pptx
@@ -632,7 +632,7 @@
             <a:fld id="{4D2C7CC7-EA73-4A76-879D-6BD4A239FD28}" type="datetimeFigureOut">
               <a:rPr lang="zh-CN" altLang="en-US" smtClean="0"/>
               <a:pPr/>
-              <a:t>2020/1/3</a:t>
+              <a:t>2020/1/4</a:t>
             </a:fld>
             <a:endParaRPr lang="zh-CN" altLang="en-US"/>
           </a:p>
@@ -799,7 +799,7 @@
             <a:fld id="{0BA62AD4-1182-4AB8-87B8-9386B7E1FBBA}" type="datetimeFigureOut">
               <a:rPr lang="zh-CN" altLang="en-US" smtClean="0"/>
               <a:pPr/>
-              <a:t>2020/1/3</a:t>
+              <a:t>2020/1/4</a:t>
             </a:fld>
             <a:endParaRPr lang="zh-CN" altLang="en-US"/>
           </a:p>
@@ -1759,7 +1759,7 @@
             <a:fld id="{82F288E0-7875-42C4-84C8-98DBBD3BF4D2}" type="datetimeFigureOut">
               <a:rPr lang="zh-CN" altLang="en-US"/>
               <a:pPr/>
-              <a:t>2020/1/3</a:t>
+              <a:t>2020/1/4</a:t>
             </a:fld>
             <a:endParaRPr lang="zh-CN" altLang="en-US"/>
           </a:p>
@@ -3780,6 +3780,13 @@
             <a:r>
               <a:rPr lang="zh-CN" altLang="en-US" dirty="0"/>
               <a:t>进程通信：队列（生产者、消费者）</a:t>
+            </a:r>
+            <a:endParaRPr lang="en-US" altLang="zh-CN" dirty="0"/>
+          </a:p>
+          <a:p>
+            <a:r>
+              <a:rPr lang="zh-CN" altLang="en-US" dirty="0"/>
+              <a:t>选主</a:t>
             </a:r>
             <a:endParaRPr lang="en-US" altLang="zh-CN" dirty="0"/>
           </a:p>
